--- a/Slides/PPTs/Ziyarah Ale Yasin.pptx
+++ b/Slides/PPTs/Ziyarah Ale Yasin.pptx
@@ -244,6 +244,11 @@
       </a:defRPr>
     </a:lvl9pPr>
   </p:defaultTextStyle>
+  <p:extLst>
+    <p:ext uri="{EFAFB233-063F-42B5-8137-9DF3F51BA10A}">
+      <p15:sldGuideLst xmlns:p15="http://schemas.microsoft.com/office/powerpoint/2012/main"/>
+    </p:ext>
+  </p:extLst>
 </p:presentation>
 </file>
 
@@ -396,7 +401,7 @@
           <a:p>
             <a:fld id="{377D0CF1-D262-4A29-B4E4-3636393A5AEB}" type="datetimeFigureOut">
               <a:rPr lang="en-CA" smtClean="0"/>
-              <a:t>2024-02-14</a:t>
+              <a:t>2024-04-05</a:t>
             </a:fld>
             <a:endParaRPr lang="en-CA"/>
           </a:p>
@@ -596,7 +601,7 @@
           <a:p>
             <a:fld id="{377D0CF1-D262-4A29-B4E4-3636393A5AEB}" type="datetimeFigureOut">
               <a:rPr lang="en-CA" smtClean="0"/>
-              <a:t>2024-02-14</a:t>
+              <a:t>2024-04-05</a:t>
             </a:fld>
             <a:endParaRPr lang="en-CA"/>
           </a:p>
@@ -806,7 +811,7 @@
           <a:p>
             <a:fld id="{377D0CF1-D262-4A29-B4E4-3636393A5AEB}" type="datetimeFigureOut">
               <a:rPr lang="en-CA" smtClean="0"/>
-              <a:t>2024-02-14</a:t>
+              <a:t>2024-04-05</a:t>
             </a:fld>
             <a:endParaRPr lang="en-CA"/>
           </a:p>
@@ -3156,7 +3161,7 @@
           <a:p>
             <a:fld id="{377D0CF1-D262-4A29-B4E4-3636393A5AEB}" type="datetimeFigureOut">
               <a:rPr lang="en-CA" smtClean="0"/>
-              <a:t>2024-02-14</a:t>
+              <a:t>2024-04-05</a:t>
             </a:fld>
             <a:endParaRPr lang="en-CA"/>
           </a:p>
@@ -5982,7 +5987,7 @@
           <a:p>
             <a:fld id="{377D0CF1-D262-4A29-B4E4-3636393A5AEB}" type="datetimeFigureOut">
               <a:rPr lang="en-CA" smtClean="0"/>
-              <a:t>2024-02-14</a:t>
+              <a:t>2024-04-05</a:t>
             </a:fld>
             <a:endParaRPr lang="en-CA"/>
           </a:p>
@@ -8988,7 +8993,7 @@
           <a:p>
             <a:fld id="{377D0CF1-D262-4A29-B4E4-3636393A5AEB}" type="datetimeFigureOut">
               <a:rPr lang="en-CA" smtClean="0"/>
-              <a:t>2024-02-14</a:t>
+              <a:t>2024-04-05</a:t>
             </a:fld>
             <a:endParaRPr lang="en-CA"/>
           </a:p>
@@ -10911,7 +10916,7 @@
           <a:p>
             <a:fld id="{377D0CF1-D262-4A29-B4E4-3636393A5AEB}" type="datetimeFigureOut">
               <a:rPr lang="en-CA" smtClean="0"/>
-              <a:t>2024-02-14</a:t>
+              <a:t>2024-04-05</a:t>
             </a:fld>
             <a:endParaRPr lang="en-CA"/>
           </a:p>
@@ -11053,7 +11058,7 @@
           <a:p>
             <a:fld id="{377D0CF1-D262-4A29-B4E4-3636393A5AEB}" type="datetimeFigureOut">
               <a:rPr lang="en-CA" smtClean="0"/>
-              <a:t>2024-02-14</a:t>
+              <a:t>2024-04-05</a:t>
             </a:fld>
             <a:endParaRPr lang="en-CA"/>
           </a:p>
@@ -11166,7 +11171,7 @@
           <a:p>
             <a:fld id="{377D0CF1-D262-4A29-B4E4-3636393A5AEB}" type="datetimeFigureOut">
               <a:rPr lang="en-CA" smtClean="0"/>
-              <a:t>2024-02-14</a:t>
+              <a:t>2024-04-05</a:t>
             </a:fld>
             <a:endParaRPr lang="en-CA"/>
           </a:p>
@@ -11479,7 +11484,7 @@
           <a:p>
             <a:fld id="{377D0CF1-D262-4A29-B4E4-3636393A5AEB}" type="datetimeFigureOut">
               <a:rPr lang="en-CA" smtClean="0"/>
-              <a:t>2024-02-14</a:t>
+              <a:t>2024-04-05</a:t>
             </a:fld>
             <a:endParaRPr lang="en-CA"/>
           </a:p>
@@ -11768,7 +11773,7 @@
           <a:p>
             <a:fld id="{377D0CF1-D262-4A29-B4E4-3636393A5AEB}" type="datetimeFigureOut">
               <a:rPr lang="en-CA" smtClean="0"/>
-              <a:t>2024-02-14</a:t>
+              <a:t>2024-04-05</a:t>
             </a:fld>
             <a:endParaRPr lang="en-CA"/>
           </a:p>
@@ -12011,7 +12016,7 @@
           <a:p>
             <a:fld id="{377D0CF1-D262-4A29-B4E4-3636393A5AEB}" type="datetimeFigureOut">
               <a:rPr lang="en-CA" smtClean="0"/>
-              <a:t>2024-02-14</a:t>
+              <a:t>2024-04-05</a:t>
             </a:fld>
             <a:endParaRPr lang="en-CA"/>
           </a:p>
@@ -25862,7 +25867,20 @@
                 <a:latin typeface="Arabic Typesetting" panose="03020402040406030203" pitchFamily="66" charset="-78"/>
                 <a:cs typeface="Arabic Typesetting" panose="03020402040406030203" pitchFamily="66" charset="-78"/>
               </a:rPr>
-              <a:t>أُشْهِدُكَ يا مَوْلاىَ أَنّى أَشْهَدُ أَنْ لا إِلـهَ إِلا اللهُ وَحْدَهُ لا شَريكَ لَهُ، </a:t>
+              <a:t>أُشْهِدُكَ يا مَوْلاىَ أَنّى أَشْهَدُ أَنْ لا إِلـهَ إِلا اللهُ</a:t>
+            </a:r>
+            <a:br>
+              <a:rPr lang="en-US" altLang="en-US" sz="8000" dirty="0">
+                <a:latin typeface="Arabic Typesetting" panose="03020402040406030203" pitchFamily="66" charset="-78"/>
+                <a:cs typeface="Arabic Typesetting" panose="03020402040406030203" pitchFamily="66" charset="-78"/>
+              </a:rPr>
+            </a:br>
+            <a:r>
+              <a:rPr lang="ar-SA" altLang="en-US" sz="8000" dirty="0">
+                <a:latin typeface="Arabic Typesetting" panose="03020402040406030203" pitchFamily="66" charset="-78"/>
+                <a:cs typeface="Arabic Typesetting" panose="03020402040406030203" pitchFamily="66" charset="-78"/>
+              </a:rPr>
+              <a:t>وَحْدَهُ لا شَريكَ لَهُ، </a:t>
             </a:r>
           </a:p>
         </p:txBody>
@@ -29019,7 +29037,27 @@
                 <a:latin typeface="Arabic Typesetting" panose="03020402040406030203" pitchFamily="66" charset="-78"/>
                 <a:cs typeface="Arabic Typesetting" panose="03020402040406030203" pitchFamily="66" charset="-78"/>
               </a:rPr>
-              <a:t>يَوْمَ لا يَنْفَعُ نَفْساً إيمانُها لَمْ تَكُنْ آمَنَتْ مِنْ قَبْلُ أَوْ كَسَبَتْ في إيمانِها خَيْراً، </a:t>
+              <a:t>يَوْمَ لا يَنْفَعُ نَفْساً إيمانُها</a:t>
+            </a:r>
+            <a:br>
+              <a:rPr lang="en-US" altLang="en-US" sz="8000">
+                <a:latin typeface="Arabic Typesetting" panose="03020402040406030203" pitchFamily="66" charset="-78"/>
+                <a:cs typeface="Arabic Typesetting" panose="03020402040406030203" pitchFamily="66" charset="-78"/>
+              </a:rPr>
+            </a:br>
+            <a:r>
+              <a:rPr lang="ar-SA" altLang="en-US" sz="8000">
+                <a:latin typeface="Arabic Typesetting" panose="03020402040406030203" pitchFamily="66" charset="-78"/>
+                <a:cs typeface="Arabic Typesetting" panose="03020402040406030203" pitchFamily="66" charset="-78"/>
+              </a:rPr>
+              <a:t>لَمْ </a:t>
+            </a:r>
+            <a:r>
+              <a:rPr lang="ar-SA" altLang="en-US" sz="8000" dirty="0">
+                <a:latin typeface="Arabic Typesetting" panose="03020402040406030203" pitchFamily="66" charset="-78"/>
+                <a:cs typeface="Arabic Typesetting" panose="03020402040406030203" pitchFamily="66" charset="-78"/>
+              </a:rPr>
+              <a:t>تَكُنْ آمَنَتْ مِنْ قَبْلُ أَوْ كَسَبَتْ في إيمانِها خَيْراً، </a:t>
             </a:r>
           </a:p>
         </p:txBody>
